--- a/assets/icons/attack_types/attack_types_template.pptx
+++ b/assets/icons/attack_types/attack_types_template.pptx
@@ -6,6 +6,7 @@
   </p:sldMasterIdLst>
   <p:sldIdLst>
     <p:sldId id="256" r:id="rId2"/>
+    <p:sldId id="257" r:id="rId3"/>
   </p:sldIdLst>
   <p:sldSz cx="12192000" cy="6858000"/>
   <p:notesSz cx="6858000" cy="9144000"/>
@@ -259,7 +260,7 @@
           <a:p>
             <a:fld id="{B4ABB804-7291-412E-AF60-CC555B28EA90}" type="datetimeFigureOut">
               <a:rPr lang="de-DE" smtClean="0"/>
-              <a:t>20.03.2022</a:t>
+              <a:t>13.08.2023</a:t>
             </a:fld>
             <a:endParaRPr lang="de-DE"/>
           </a:p>
@@ -457,7 +458,7 @@
           <a:p>
             <a:fld id="{B4ABB804-7291-412E-AF60-CC555B28EA90}" type="datetimeFigureOut">
               <a:rPr lang="de-DE" smtClean="0"/>
-              <a:t>20.03.2022</a:t>
+              <a:t>13.08.2023</a:t>
             </a:fld>
             <a:endParaRPr lang="de-DE"/>
           </a:p>
@@ -665,7 +666,7 @@
           <a:p>
             <a:fld id="{B4ABB804-7291-412E-AF60-CC555B28EA90}" type="datetimeFigureOut">
               <a:rPr lang="de-DE" smtClean="0"/>
-              <a:t>20.03.2022</a:t>
+              <a:t>13.08.2023</a:t>
             </a:fld>
             <a:endParaRPr lang="de-DE"/>
           </a:p>
@@ -863,7 +864,7 @@
           <a:p>
             <a:fld id="{B4ABB804-7291-412E-AF60-CC555B28EA90}" type="datetimeFigureOut">
               <a:rPr lang="de-DE" smtClean="0"/>
-              <a:t>20.03.2022</a:t>
+              <a:t>13.08.2023</a:t>
             </a:fld>
             <a:endParaRPr lang="de-DE"/>
           </a:p>
@@ -1138,7 +1139,7 @@
           <a:p>
             <a:fld id="{B4ABB804-7291-412E-AF60-CC555B28EA90}" type="datetimeFigureOut">
               <a:rPr lang="de-DE" smtClean="0"/>
-              <a:t>20.03.2022</a:t>
+              <a:t>13.08.2023</a:t>
             </a:fld>
             <a:endParaRPr lang="de-DE"/>
           </a:p>
@@ -1403,7 +1404,7 @@
           <a:p>
             <a:fld id="{B4ABB804-7291-412E-AF60-CC555B28EA90}" type="datetimeFigureOut">
               <a:rPr lang="de-DE" smtClean="0"/>
-              <a:t>20.03.2022</a:t>
+              <a:t>13.08.2023</a:t>
             </a:fld>
             <a:endParaRPr lang="de-DE"/>
           </a:p>
@@ -1815,7 +1816,7 @@
           <a:p>
             <a:fld id="{B4ABB804-7291-412E-AF60-CC555B28EA90}" type="datetimeFigureOut">
               <a:rPr lang="de-DE" smtClean="0"/>
-              <a:t>20.03.2022</a:t>
+              <a:t>13.08.2023</a:t>
             </a:fld>
             <a:endParaRPr lang="de-DE"/>
           </a:p>
@@ -1956,7 +1957,7 @@
           <a:p>
             <a:fld id="{B4ABB804-7291-412E-AF60-CC555B28EA90}" type="datetimeFigureOut">
               <a:rPr lang="de-DE" smtClean="0"/>
-              <a:t>20.03.2022</a:t>
+              <a:t>13.08.2023</a:t>
             </a:fld>
             <a:endParaRPr lang="de-DE"/>
           </a:p>
@@ -2069,7 +2070,7 @@
           <a:p>
             <a:fld id="{B4ABB804-7291-412E-AF60-CC555B28EA90}" type="datetimeFigureOut">
               <a:rPr lang="de-DE" smtClean="0"/>
-              <a:t>20.03.2022</a:t>
+              <a:t>13.08.2023</a:t>
             </a:fld>
             <a:endParaRPr lang="de-DE"/>
           </a:p>
@@ -2380,7 +2381,7 @@
           <a:p>
             <a:fld id="{B4ABB804-7291-412E-AF60-CC555B28EA90}" type="datetimeFigureOut">
               <a:rPr lang="de-DE" smtClean="0"/>
-              <a:t>20.03.2022</a:t>
+              <a:t>13.08.2023</a:t>
             </a:fld>
             <a:endParaRPr lang="de-DE"/>
           </a:p>
@@ -2668,7 +2669,7 @@
           <a:p>
             <a:fld id="{B4ABB804-7291-412E-AF60-CC555B28EA90}" type="datetimeFigureOut">
               <a:rPr lang="de-DE" smtClean="0"/>
-              <a:t>20.03.2022</a:t>
+              <a:t>13.08.2023</a:t>
             </a:fld>
             <a:endParaRPr lang="de-DE"/>
           </a:p>
@@ -2909,7 +2910,7 @@
           <a:p>
             <a:fld id="{B4ABB804-7291-412E-AF60-CC555B28EA90}" type="datetimeFigureOut">
               <a:rPr lang="de-DE" smtClean="0"/>
-              <a:t>20.03.2022</a:t>
+              <a:t>13.08.2023</a:t>
             </a:fld>
             <a:endParaRPr lang="de-DE"/>
           </a:p>
@@ -3801,10 +3802,435 @@
           </a:effectLst>
         </p:spPr>
       </p:pic>
+      <p:sp>
+        <p:nvSpPr>
+          <p:cNvPr id="6" name="Textfeld 5">
+            <a:extLst>
+              <a:ext uri="{FF2B5EF4-FFF2-40B4-BE49-F238E27FC236}">
+                <a16:creationId xmlns:a16="http://schemas.microsoft.com/office/drawing/2014/main" id="{5DBE4D4C-9374-2F6D-993B-00717A23F641}"/>
+              </a:ext>
+            </a:extLst>
+          </p:cNvPr>
+          <p:cNvSpPr txBox="1"/>
+          <p:nvPr/>
+        </p:nvSpPr>
+        <p:spPr>
+          <a:xfrm>
+            <a:off x="6629778" y="5829300"/>
+            <a:ext cx="1333314" cy="646331"/>
+          </a:xfrm>
+          <a:prstGeom prst="rect">
+            <a:avLst/>
+          </a:prstGeom>
+          <a:noFill/>
+        </p:spPr>
+        <p:txBody>
+          <a:bodyPr wrap="none" rtlCol="0">
+            <a:spAutoFit/>
+          </a:bodyPr>
+          <a:lstStyle/>
+          <a:p>
+            <a:r>
+              <a:rPr lang="de-DE" dirty="0" err="1"/>
+              <a:t>Attack</a:t>
+            </a:r>
+            <a:r>
+              <a:rPr lang="de-DE" dirty="0"/>
+              <a:t> </a:t>
+            </a:r>
+            <a:r>
+              <a:rPr lang="de-DE" dirty="0" err="1"/>
+              <a:t>types</a:t>
+            </a:r>
+            <a:endParaRPr lang="de-DE" dirty="0"/>
+          </a:p>
+          <a:p>
+            <a:endParaRPr lang="en-GB" dirty="0"/>
+          </a:p>
+        </p:txBody>
+      </p:sp>
     </p:spTree>
     <p:extLst>
       <p:ext uri="{BB962C8B-B14F-4D97-AF65-F5344CB8AC3E}">
         <p14:creationId xmlns:p14="http://schemas.microsoft.com/office/powerpoint/2010/main" val="2481357587"/>
+      </p:ext>
+    </p:extLst>
+  </p:cSld>
+  <p:clrMapOvr>
+    <a:masterClrMapping/>
+  </p:clrMapOvr>
+</p:sld>
+</file>
+
+<file path=ppt/slides/slide2.xml><?xml version="1.0" encoding="utf-8"?>
+<p:sld xmlns:a="http://schemas.openxmlformats.org/drawingml/2006/main" xmlns:r="http://schemas.openxmlformats.org/officeDocument/2006/relationships" xmlns:p="http://schemas.openxmlformats.org/presentationml/2006/main">
+  <p:cSld>
+    <p:spTree>
+      <p:nvGrpSpPr>
+        <p:cNvPr id="1" name=""/>
+        <p:cNvGrpSpPr/>
+        <p:nvPr/>
+      </p:nvGrpSpPr>
+      <p:grpSpPr>
+        <a:xfrm>
+          <a:off x="0" y="0"/>
+          <a:ext cx="0" cy="0"/>
+          <a:chOff x="0" y="0"/>
+          <a:chExt cx="0" cy="0"/>
+        </a:xfrm>
+      </p:grpSpPr>
+      <p:sp>
+        <p:nvSpPr>
+          <p:cNvPr id="5" name="Textfeld 4">
+            <a:extLst>
+              <a:ext uri="{FF2B5EF4-FFF2-40B4-BE49-F238E27FC236}">
+                <a16:creationId xmlns:a16="http://schemas.microsoft.com/office/drawing/2014/main" id="{E2DB28E1-BC28-D05B-4A3A-4E673E386EDC}"/>
+              </a:ext>
+            </a:extLst>
+          </p:cNvPr>
+          <p:cNvSpPr txBox="1"/>
+          <p:nvPr/>
+        </p:nvSpPr>
+        <p:spPr>
+          <a:xfrm>
+            <a:off x="6391275" y="381000"/>
+            <a:ext cx="1672894" cy="369332"/>
+          </a:xfrm>
+          <a:prstGeom prst="rect">
+            <a:avLst/>
+          </a:prstGeom>
+          <a:noFill/>
+        </p:spPr>
+        <p:txBody>
+          <a:bodyPr wrap="none" rtlCol="0">
+            <a:spAutoFit/>
+          </a:bodyPr>
+          <a:lstStyle/>
+          <a:p>
+            <a:r>
+              <a:rPr lang="de-DE" dirty="0"/>
+              <a:t>Quality </a:t>
+            </a:r>
+            <a:r>
+              <a:rPr lang="de-DE" dirty="0" err="1"/>
+              <a:t>symbols</a:t>
+            </a:r>
+            <a:endParaRPr lang="de-DE" dirty="0"/>
+          </a:p>
+        </p:txBody>
+      </p:sp>
+      <p:pic>
+        <p:nvPicPr>
+          <p:cNvPr id="7" name="Grafik 6" descr="Ein Bild, das Text, Himmel, draußen, Wolke enthält.&#10;&#10;Automatisch generierte Beschreibung">
+            <a:extLst>
+              <a:ext uri="{FF2B5EF4-FFF2-40B4-BE49-F238E27FC236}">
+                <a16:creationId xmlns:a16="http://schemas.microsoft.com/office/drawing/2014/main" id="{723B1D61-218D-36B8-3BC7-2D0B99ABBB56}"/>
+              </a:ext>
+            </a:extLst>
+          </p:cNvPr>
+          <p:cNvPicPr>
+            <a:picLocks noChangeAspect="1"/>
+          </p:cNvPicPr>
+          <p:nvPr/>
+        </p:nvPicPr>
+        <p:blipFill rotWithShape="1">
+          <a:blip r:embed="rId2">
+            <a:extLst>
+              <a:ext uri="{28A0092B-C50C-407E-A947-70E740481C1C}">
+                <a14:useLocalDpi xmlns:a14="http://schemas.microsoft.com/office/drawing/2010/main" val="0"/>
+              </a:ext>
+            </a:extLst>
+          </a:blip>
+          <a:srcRect l="13194" t="10778" r="36847" b="58014"/>
+          <a:stretch/>
+        </p:blipFill>
+        <p:spPr>
+          <a:xfrm>
+            <a:off x="3454962" y="4671118"/>
+            <a:ext cx="1456877" cy="1459113"/>
+          </a:xfrm>
+          <a:prstGeom prst="rect">
+            <a:avLst/>
+          </a:prstGeom>
+          <a:effectLst>
+            <a:glow rad="63500">
+              <a:schemeClr val="accent3">
+                <a:satMod val="175000"/>
+                <a:alpha val="40000"/>
+              </a:schemeClr>
+            </a:glow>
+            <a:softEdge rad="31750"/>
+          </a:effectLst>
+        </p:spPr>
+      </p:pic>
+      <p:pic>
+        <p:nvPicPr>
+          <p:cNvPr id="9" name="Grafik 8" descr="Ein Bild, das Text, Menschliches Gesicht, Buch, Bilderrahmen enthält.&#10;&#10;Automatisch generierte Beschreibung">
+            <a:extLst>
+              <a:ext uri="{FF2B5EF4-FFF2-40B4-BE49-F238E27FC236}">
+                <a16:creationId xmlns:a16="http://schemas.microsoft.com/office/drawing/2014/main" id="{74B907F7-3C64-B777-6850-23D03CBEEA80}"/>
+              </a:ext>
+            </a:extLst>
+          </p:cNvPr>
+          <p:cNvPicPr>
+            <a:picLocks noChangeAspect="1"/>
+          </p:cNvPicPr>
+          <p:nvPr/>
+        </p:nvPicPr>
+        <p:blipFill rotWithShape="1">
+          <a:blip r:embed="rId3">
+            <a:extLst>
+              <a:ext uri="{28A0092B-C50C-407E-A947-70E740481C1C}">
+                <a14:useLocalDpi xmlns:a14="http://schemas.microsoft.com/office/drawing/2010/main" val="0"/>
+              </a:ext>
+            </a:extLst>
+          </a:blip>
+          <a:srcRect l="17850" t="11257" r="17850" b="48642"/>
+          <a:stretch/>
+        </p:blipFill>
+        <p:spPr>
+          <a:xfrm>
+            <a:off x="7896244" y="4671117"/>
+            <a:ext cx="1456877" cy="1459113"/>
+          </a:xfrm>
+          <a:prstGeom prst="rect">
+            <a:avLst/>
+          </a:prstGeom>
+          <a:effectLst>
+            <a:glow rad="63500">
+              <a:schemeClr val="accent3">
+                <a:satMod val="175000"/>
+                <a:alpha val="40000"/>
+              </a:schemeClr>
+            </a:glow>
+            <a:softEdge rad="31750"/>
+          </a:effectLst>
+        </p:spPr>
+      </p:pic>
+      <p:pic>
+        <p:nvPicPr>
+          <p:cNvPr id="11" name="Grafik 10" descr="Ein Bild, das Text, Buch, Kunst enthält.&#10;&#10;Automatisch generierte Beschreibung">
+            <a:extLst>
+              <a:ext uri="{FF2B5EF4-FFF2-40B4-BE49-F238E27FC236}">
+                <a16:creationId xmlns:a16="http://schemas.microsoft.com/office/drawing/2014/main" id="{B6E93329-9B98-ED5D-D1DF-23D266177F99}"/>
+              </a:ext>
+            </a:extLst>
+          </p:cNvPr>
+          <p:cNvPicPr>
+            <a:picLocks noChangeAspect="1"/>
+          </p:cNvPicPr>
+          <p:nvPr/>
+        </p:nvPicPr>
+        <p:blipFill rotWithShape="1">
+          <a:blip r:embed="rId4">
+            <a:extLst>
+              <a:ext uri="{28A0092B-C50C-407E-A947-70E740481C1C}">
+                <a14:useLocalDpi xmlns:a14="http://schemas.microsoft.com/office/drawing/2010/main" val="0"/>
+              </a:ext>
+            </a:extLst>
+          </a:blip>
+          <a:srcRect l="27420" t="10326" r="5833" b="48047"/>
+          <a:stretch/>
+        </p:blipFill>
+        <p:spPr>
+          <a:xfrm>
+            <a:off x="3454962" y="2628900"/>
+            <a:ext cx="1456878" cy="1459113"/>
+          </a:xfrm>
+          <a:prstGeom prst="rect">
+            <a:avLst/>
+          </a:prstGeom>
+          <a:effectLst>
+            <a:glow rad="63500">
+              <a:schemeClr val="accent3">
+                <a:satMod val="175000"/>
+                <a:alpha val="40000"/>
+              </a:schemeClr>
+            </a:glow>
+            <a:softEdge rad="31750"/>
+          </a:effectLst>
+        </p:spPr>
+      </p:pic>
+      <p:pic>
+        <p:nvPicPr>
+          <p:cNvPr id="15" name="Grafik 14" descr="Ein Bild, das Text, Mann, Menschliches Gesicht, Person enthält.&#10;&#10;Automatisch generierte Beschreibung">
+            <a:extLst>
+              <a:ext uri="{FF2B5EF4-FFF2-40B4-BE49-F238E27FC236}">
+                <a16:creationId xmlns:a16="http://schemas.microsoft.com/office/drawing/2014/main" id="{F2643263-47DA-E8DD-717C-EAF8290CBB1C}"/>
+              </a:ext>
+            </a:extLst>
+          </p:cNvPr>
+          <p:cNvPicPr>
+            <a:picLocks noChangeAspect="1"/>
+          </p:cNvPicPr>
+          <p:nvPr/>
+        </p:nvPicPr>
+        <p:blipFill rotWithShape="1">
+          <a:blip r:embed="rId5">
+            <a:extLst>
+              <a:ext uri="{28A0092B-C50C-407E-A947-70E740481C1C}">
+                <a14:useLocalDpi xmlns:a14="http://schemas.microsoft.com/office/drawing/2010/main" val="0"/>
+              </a:ext>
+            </a:extLst>
+          </a:blip>
+          <a:srcRect l="40366" t="10388" r="9608" b="58413"/>
+          <a:stretch/>
+        </p:blipFill>
+        <p:spPr>
+          <a:xfrm>
+            <a:off x="7896243" y="2628900"/>
+            <a:ext cx="1456878" cy="1459113"/>
+          </a:xfrm>
+          <a:prstGeom prst="rect">
+            <a:avLst/>
+          </a:prstGeom>
+          <a:effectLst>
+            <a:glow rad="63500">
+              <a:schemeClr val="accent3">
+                <a:satMod val="175000"/>
+                <a:alpha val="40000"/>
+              </a:schemeClr>
+            </a:glow>
+            <a:softEdge rad="31750"/>
+          </a:effectLst>
+        </p:spPr>
+      </p:pic>
+      <p:pic>
+        <p:nvPicPr>
+          <p:cNvPr id="17" name="Grafik 16" descr="Ein Bild, das Text, Kirche, Kunst, Beerdigung enthält.&#10;&#10;Automatisch generierte Beschreibung">
+            <a:extLst>
+              <a:ext uri="{FF2B5EF4-FFF2-40B4-BE49-F238E27FC236}">
+                <a16:creationId xmlns:a16="http://schemas.microsoft.com/office/drawing/2014/main" id="{79E670B5-434A-0DBC-FFC2-45E021620AC5}"/>
+              </a:ext>
+            </a:extLst>
+          </p:cNvPr>
+          <p:cNvPicPr>
+            <a:picLocks noChangeAspect="1"/>
+          </p:cNvPicPr>
+          <p:nvPr/>
+        </p:nvPicPr>
+        <p:blipFill rotWithShape="1">
+          <a:blip r:embed="rId6">
+            <a:extLst>
+              <a:ext uri="{28A0092B-C50C-407E-A947-70E740481C1C}">
+                <a14:useLocalDpi xmlns:a14="http://schemas.microsoft.com/office/drawing/2010/main" val="0"/>
+              </a:ext>
+            </a:extLst>
+          </a:blip>
+          <a:srcRect l="28935" t="19903" r="23625" b="50352"/>
+          <a:stretch/>
+        </p:blipFill>
+        <p:spPr>
+          <a:xfrm>
+            <a:off x="5595213" y="2628899"/>
+            <a:ext cx="1456878" cy="1459114"/>
+          </a:xfrm>
+          <a:prstGeom prst="rect">
+            <a:avLst/>
+          </a:prstGeom>
+          <a:effectLst>
+            <a:glow rad="63500">
+              <a:schemeClr val="accent3">
+                <a:satMod val="175000"/>
+                <a:alpha val="40000"/>
+              </a:schemeClr>
+            </a:glow>
+            <a:softEdge rad="31750"/>
+          </a:effectLst>
+        </p:spPr>
+      </p:pic>
+      <p:pic>
+        <p:nvPicPr>
+          <p:cNvPr id="19" name="Grafik 18" descr="Ein Bild, das Text, Kleidung, Menschliches Gesicht, Buch enthält.&#10;&#10;Automatisch generierte Beschreibung">
+            <a:extLst>
+              <a:ext uri="{FF2B5EF4-FFF2-40B4-BE49-F238E27FC236}">
+                <a16:creationId xmlns:a16="http://schemas.microsoft.com/office/drawing/2014/main" id="{B2B67016-B81E-4B90-636C-18073CA3B599}"/>
+              </a:ext>
+            </a:extLst>
+          </p:cNvPr>
+          <p:cNvPicPr>
+            <a:picLocks noChangeAspect="1"/>
+          </p:cNvPicPr>
+          <p:nvPr/>
+        </p:nvPicPr>
+        <p:blipFill rotWithShape="1">
+          <a:blip r:embed="rId7">
+            <a:extLst>
+              <a:ext uri="{28A0092B-C50C-407E-A947-70E740481C1C}">
+                <a14:useLocalDpi xmlns:a14="http://schemas.microsoft.com/office/drawing/2010/main" val="0"/>
+              </a:ext>
+            </a:extLst>
+          </a:blip>
+          <a:srcRect l="12070" t="13077" r="25117" b="47644"/>
+          <a:stretch/>
+        </p:blipFill>
+        <p:spPr>
+          <a:xfrm>
+            <a:off x="3454962" y="878234"/>
+            <a:ext cx="1456878" cy="1459114"/>
+          </a:xfrm>
+          <a:prstGeom prst="rect">
+            <a:avLst/>
+          </a:prstGeom>
+          <a:effectLst>
+            <a:glow rad="63500">
+              <a:schemeClr val="accent3">
+                <a:satMod val="175000"/>
+                <a:alpha val="40000"/>
+              </a:schemeClr>
+            </a:glow>
+            <a:softEdge rad="31750"/>
+          </a:effectLst>
+        </p:spPr>
+      </p:pic>
+      <p:pic>
+        <p:nvPicPr>
+          <p:cNvPr id="21" name="Grafik 20" descr="Ein Bild, das Text, Baum, Buch enthält.&#10;&#10;Automatisch generierte Beschreibung">
+            <a:extLst>
+              <a:ext uri="{FF2B5EF4-FFF2-40B4-BE49-F238E27FC236}">
+                <a16:creationId xmlns:a16="http://schemas.microsoft.com/office/drawing/2014/main" id="{1FB40CDF-F4B4-499D-38D1-38762F13B892}"/>
+              </a:ext>
+            </a:extLst>
+          </p:cNvPr>
+          <p:cNvPicPr>
+            <a:picLocks noChangeAspect="1"/>
+          </p:cNvPicPr>
+          <p:nvPr/>
+        </p:nvPicPr>
+        <p:blipFill rotWithShape="1">
+          <a:blip r:embed="rId8">
+            <a:extLst>
+              <a:ext uri="{28A0092B-C50C-407E-A947-70E740481C1C}">
+                <a14:useLocalDpi xmlns:a14="http://schemas.microsoft.com/office/drawing/2010/main" val="0"/>
+              </a:ext>
+            </a:extLst>
+          </a:blip>
+          <a:srcRect l="28618" t="15954" r="31937" b="59314"/>
+          <a:stretch/>
+        </p:blipFill>
+        <p:spPr>
+          <a:xfrm>
+            <a:off x="5595214" y="4671116"/>
+            <a:ext cx="1456877" cy="1459114"/>
+          </a:xfrm>
+          <a:prstGeom prst="rect">
+            <a:avLst/>
+          </a:prstGeom>
+          <a:effectLst>
+            <a:glow rad="63500">
+              <a:schemeClr val="accent3">
+                <a:satMod val="175000"/>
+                <a:alpha val="40000"/>
+              </a:schemeClr>
+            </a:glow>
+            <a:softEdge rad="31750"/>
+          </a:effectLst>
+        </p:spPr>
+      </p:pic>
+    </p:spTree>
+    <p:extLst>
+      <p:ext uri="{BB962C8B-B14F-4D97-AF65-F5344CB8AC3E}">
+        <p14:creationId xmlns:p14="http://schemas.microsoft.com/office/powerpoint/2010/main" val="2521828614"/>
       </p:ext>
     </p:extLst>
   </p:cSld>
